--- a/Presented-Problems/Turcu Gabriel - FoF.pptx
+++ b/Presented-Problems/Turcu Gabriel - FoF.pptx
@@ -11,6 +11,10 @@
     <p:sldId id="259" r:id="rId5"/>
     <p:sldId id="260" r:id="rId6"/>
     <p:sldId id="261" r:id="rId7"/>
+    <p:sldId id="263" r:id="rId8"/>
+    <p:sldId id="264" r:id="rId9"/>
+    <p:sldId id="265" r:id="rId10"/>
+    <p:sldId id="262" r:id="rId11"/>
   </p:sldIdLst>
   <p:sldSz cx="9144000" cy="6858000" type="screen4x3"/>
   <p:notesSz cx="6858000" cy="9144000"/>
@@ -349,7 +353,7 @@
           <a:p>
             <a:fld id="{99DCDDCB-6E68-4285-B31E-102BECCDA66B}" type="datetimeFigureOut">
               <a:rPr lang="en-US" smtClean="0"/>
-              <a:t>10-Jan-17</a:t>
+              <a:t>22-Feb-17</a:t>
             </a:fld>
             <a:endParaRPr lang="en-US"/>
           </a:p>
@@ -519,7 +523,7 @@
           <a:p>
             <a:fld id="{99DCDDCB-6E68-4285-B31E-102BECCDA66B}" type="datetimeFigureOut">
               <a:rPr lang="en-US" smtClean="0"/>
-              <a:t>10-Jan-17</a:t>
+              <a:t>22-Feb-17</a:t>
             </a:fld>
             <a:endParaRPr lang="en-US"/>
           </a:p>
@@ -694,7 +698,7 @@
           <a:p>
             <a:fld id="{99DCDDCB-6E68-4285-B31E-102BECCDA66B}" type="datetimeFigureOut">
               <a:rPr lang="en-US" smtClean="0"/>
-              <a:t>10-Jan-17</a:t>
+              <a:t>22-Feb-17</a:t>
             </a:fld>
             <a:endParaRPr lang="en-US"/>
           </a:p>
@@ -859,7 +863,7 @@
           <a:p>
             <a:fld id="{99DCDDCB-6E68-4285-B31E-102BECCDA66B}" type="datetimeFigureOut">
               <a:rPr lang="en-US" smtClean="0"/>
-              <a:t>10-Jan-17</a:t>
+              <a:t>22-Feb-17</a:t>
             </a:fld>
             <a:endParaRPr lang="en-US"/>
           </a:p>
@@ -1116,7 +1120,7 @@
           <a:p>
             <a:fld id="{99DCDDCB-6E68-4285-B31E-102BECCDA66B}" type="datetimeFigureOut">
               <a:rPr lang="en-US" smtClean="0"/>
-              <a:t>10-Jan-17</a:t>
+              <a:t>22-Feb-17</a:t>
             </a:fld>
             <a:endParaRPr lang="en-US"/>
           </a:p>
@@ -1256,7 +1260,7 @@
           <a:p>
             <a:fld id="{99DCDDCB-6E68-4285-B31E-102BECCDA66B}" type="datetimeFigureOut">
               <a:rPr lang="en-US" smtClean="0"/>
-              <a:t>10-Jan-17</a:t>
+              <a:t>22-Feb-17</a:t>
             </a:fld>
             <a:endParaRPr lang="en-US"/>
           </a:p>
@@ -1906,7 +1910,7 @@
           <a:p>
             <a:fld id="{99DCDDCB-6E68-4285-B31E-102BECCDA66B}" type="datetimeFigureOut">
               <a:rPr lang="en-US" smtClean="0"/>
-              <a:t>10-Jan-17</a:t>
+              <a:t>22-Feb-17</a:t>
             </a:fld>
             <a:endParaRPr lang="en-US"/>
           </a:p>
@@ -2019,7 +2023,7 @@
           <a:p>
             <a:fld id="{99DCDDCB-6E68-4285-B31E-102BECCDA66B}" type="datetimeFigureOut">
               <a:rPr lang="en-US" smtClean="0"/>
-              <a:t>10-Jan-17</a:t>
+              <a:t>22-Feb-17</a:t>
             </a:fld>
             <a:endParaRPr lang="en-US"/>
           </a:p>
@@ -2109,7 +2113,7 @@
           <a:p>
             <a:fld id="{99DCDDCB-6E68-4285-B31E-102BECCDA66B}" type="datetimeFigureOut">
               <a:rPr lang="en-US" smtClean="0"/>
-              <a:t>10-Jan-17</a:t>
+              <a:t>22-Feb-17</a:t>
             </a:fld>
             <a:endParaRPr lang="en-US"/>
           </a:p>
@@ -2399,7 +2403,7 @@
           <a:p>
             <a:fld id="{99DCDDCB-6E68-4285-B31E-102BECCDA66B}" type="datetimeFigureOut">
               <a:rPr lang="en-US" smtClean="0"/>
-              <a:t>10-Jan-17</a:t>
+              <a:t>22-Feb-17</a:t>
             </a:fld>
             <a:endParaRPr lang="en-US"/>
           </a:p>
@@ -2722,7 +2726,7 @@
           <a:p>
             <a:fld id="{99DCDDCB-6E68-4285-B31E-102BECCDA66B}" type="datetimeFigureOut">
               <a:rPr lang="en-US" smtClean="0"/>
-              <a:t>10-Jan-17</a:t>
+              <a:t>22-Feb-17</a:t>
             </a:fld>
             <a:endParaRPr lang="en-US"/>
           </a:p>
@@ -3179,7 +3183,7 @@
           <a:p>
             <a:fld id="{99DCDDCB-6E68-4285-B31E-102BECCDA66B}" type="datetimeFigureOut">
               <a:rPr lang="en-US" smtClean="0"/>
-              <a:t>10-Jan-17</a:t>
+              <a:t>22-Feb-17</a:t>
             </a:fld>
             <a:endParaRPr lang="en-US"/>
           </a:p>
@@ -3728,7 +3732,9 @@
         </p:nvSpPr>
         <p:spPr/>
         <p:txBody>
-          <a:bodyPr/>
+          <a:bodyPr>
+            <a:normAutofit fontScale="92500"/>
+          </a:bodyPr>
           <a:lstStyle/>
           <a:p>
             <a:r>
@@ -3745,16 +3751,424 @@
             </a:r>
             <a:r>
               <a:rPr lang="en-US" dirty="0" smtClean="0"/>
-              <a:t> Friend of Friend</a:t>
+              <a:t> Friend of Friend </a:t>
+            </a:r>
+            <a:r>
+              <a:rPr lang="en-US" dirty="0" err="1" smtClean="0"/>
+              <a:t>facuta</a:t>
+            </a:r>
+            <a:r>
+              <a:rPr lang="en-US" dirty="0" smtClean="0"/>
+              <a:t> </a:t>
+            </a:r>
+            <a:r>
+              <a:rPr lang="en-US" dirty="0" smtClean="0">
+                <a:effectLst/>
+              </a:rPr>
+              <a:t>in </a:t>
+            </a:r>
+            <a:r>
+              <a:rPr lang="en-US" dirty="0" err="1">
+                <a:effectLst/>
+              </a:rPr>
+              <a:t>cadrul</a:t>
+            </a:r>
+            <a:r>
+              <a:rPr lang="en-US" dirty="0">
+                <a:effectLst/>
+              </a:rPr>
+              <a:t> </a:t>
+            </a:r>
+            <a:r>
+              <a:rPr lang="en-US" dirty="0" err="1">
+                <a:effectLst/>
+              </a:rPr>
+              <a:t>Cercului</a:t>
+            </a:r>
+            <a:r>
+              <a:rPr lang="en-US" dirty="0">
+                <a:effectLst/>
+              </a:rPr>
+              <a:t> de </a:t>
+            </a:r>
+            <a:r>
+              <a:rPr lang="en-US" dirty="0" err="1">
+                <a:effectLst/>
+              </a:rPr>
+              <a:t>Programarea</a:t>
+            </a:r>
+            <a:r>
+              <a:rPr lang="en-US" dirty="0">
+                <a:effectLst/>
+              </a:rPr>
+              <a:t> </a:t>
+            </a:r>
+            <a:r>
+              <a:rPr lang="en-US" dirty="0" err="1">
+                <a:effectLst/>
+              </a:rPr>
+              <a:t>Calculatoarelor</a:t>
+            </a:r>
+            <a:r>
+              <a:rPr lang="en-US" dirty="0">
+                <a:effectLst/>
+              </a:rPr>
+              <a:t> </a:t>
+            </a:r>
+            <a:r>
+              <a:rPr lang="en-US" dirty="0" err="1">
+                <a:effectLst/>
+              </a:rPr>
+              <a:t>si</a:t>
+            </a:r>
+            <a:r>
+              <a:rPr lang="en-US" dirty="0">
+                <a:effectLst/>
+              </a:rPr>
+              <a:t> </a:t>
+            </a:r>
+            <a:r>
+              <a:rPr lang="en-US" dirty="0" err="1">
+                <a:effectLst/>
+              </a:rPr>
+              <a:t>Algoritmica</a:t>
             </a:r>
             <a:endParaRPr lang="en-US" dirty="0"/>
           </a:p>
         </p:txBody>
       </p:sp>
+      <p:pic>
+        <p:nvPicPr>
+          <p:cNvPr id="1026" name="Picture 2" descr="C:\Users\Mickey\Desktop\logoNetRom.png"/>
+          <p:cNvPicPr>
+            <a:picLocks noChangeAspect="1" noChangeArrowheads="1"/>
+          </p:cNvPicPr>
+          <p:nvPr/>
+        </p:nvPicPr>
+        <p:blipFill>
+          <a:blip r:embed="rId2">
+            <a:extLst>
+              <a:ext uri="{28A0092B-C50C-407E-A947-70E740481C1C}">
+                <a14:useLocalDpi xmlns:a14="http://schemas.microsoft.com/office/drawing/2010/main" val="0"/>
+              </a:ext>
+            </a:extLst>
+          </a:blip>
+          <a:srcRect/>
+          <a:stretch>
+            <a:fillRect/>
+          </a:stretch>
+        </p:blipFill>
+        <p:spPr bwMode="auto">
+          <a:xfrm>
+            <a:off x="609600" y="5273349"/>
+            <a:ext cx="1143000" cy="1323975"/>
+          </a:xfrm>
+          <a:prstGeom prst="rect">
+            <a:avLst/>
+          </a:prstGeom>
+          <a:noFill/>
+          <a:extLst>
+            <a:ext uri="{909E8E84-426E-40DD-AFC4-6F175D3DCCD1}">
+              <a14:hiddenFill xmlns:a14="http://schemas.microsoft.com/office/drawing/2010/main">
+                <a:solidFill>
+                  <a:srgbClr val="FFFFFF"/>
+                </a:solidFill>
+              </a14:hiddenFill>
+            </a:ext>
+          </a:extLst>
+        </p:spPr>
+      </p:pic>
+      <p:pic>
+        <p:nvPicPr>
+          <p:cNvPr id="1027" name="Picture 3" descr="C:\Users\Mickey\Desktop\logo_ace.png"/>
+          <p:cNvPicPr>
+            <a:picLocks noChangeAspect="1" noChangeArrowheads="1"/>
+          </p:cNvPicPr>
+          <p:nvPr/>
+        </p:nvPicPr>
+        <p:blipFill>
+          <a:blip r:embed="rId3">
+            <a:extLst>
+              <a:ext uri="{28A0092B-C50C-407E-A947-70E740481C1C}">
+                <a14:useLocalDpi xmlns:a14="http://schemas.microsoft.com/office/drawing/2010/main" val="0"/>
+              </a:ext>
+            </a:extLst>
+          </a:blip>
+          <a:srcRect/>
+          <a:stretch>
+            <a:fillRect/>
+          </a:stretch>
+        </p:blipFill>
+        <p:spPr bwMode="auto">
+          <a:xfrm>
+            <a:off x="2209800" y="5500688"/>
+            <a:ext cx="3895725" cy="866775"/>
+          </a:xfrm>
+          <a:prstGeom prst="rect">
+            <a:avLst/>
+          </a:prstGeom>
+          <a:noFill/>
+          <a:extLst>
+            <a:ext uri="{909E8E84-426E-40DD-AFC4-6F175D3DCCD1}">
+              <a14:hiddenFill xmlns:a14="http://schemas.microsoft.com/office/drawing/2010/main">
+                <a:solidFill>
+                  <a:srgbClr val="FFFFFF"/>
+                </a:solidFill>
+              </a14:hiddenFill>
+            </a:ext>
+          </a:extLst>
+        </p:spPr>
+      </p:pic>
+      <p:pic>
+        <p:nvPicPr>
+          <p:cNvPr id="1028" name="Picture 4" descr="C:\Users\Mickey\Desktop\small-logo-caphyon.png"/>
+          <p:cNvPicPr>
+            <a:picLocks noChangeAspect="1" noChangeArrowheads="1"/>
+          </p:cNvPicPr>
+          <p:nvPr/>
+        </p:nvPicPr>
+        <p:blipFill>
+          <a:blip r:embed="rId4">
+            <a:extLst>
+              <a:ext uri="{28A0092B-C50C-407E-A947-70E740481C1C}">
+                <a14:useLocalDpi xmlns:a14="http://schemas.microsoft.com/office/drawing/2010/main" val="0"/>
+              </a:ext>
+            </a:extLst>
+          </a:blip>
+          <a:srcRect/>
+          <a:stretch>
+            <a:fillRect/>
+          </a:stretch>
+        </p:blipFill>
+        <p:spPr bwMode="auto">
+          <a:xfrm>
+            <a:off x="6429375" y="5600700"/>
+            <a:ext cx="2524125" cy="666750"/>
+          </a:xfrm>
+          <a:prstGeom prst="rect">
+            <a:avLst/>
+          </a:prstGeom>
+          <a:noFill/>
+          <a:extLst>
+            <a:ext uri="{909E8E84-426E-40DD-AFC4-6F175D3DCCD1}">
+              <a14:hiddenFill xmlns:a14="http://schemas.microsoft.com/office/drawing/2010/main">
+                <a:solidFill>
+                  <a:srgbClr val="FFFFFF"/>
+                </a:solidFill>
+              </a14:hiddenFill>
+            </a:ext>
+          </a:extLst>
+        </p:spPr>
+      </p:pic>
     </p:spTree>
     <p:extLst>
       <p:ext uri="{BB962C8B-B14F-4D97-AF65-F5344CB8AC3E}">
         <p14:creationId xmlns:p14="http://schemas.microsoft.com/office/powerpoint/2010/main" val="2030045338"/>
+      </p:ext>
+    </p:extLst>
+  </p:cSld>
+  <p:clrMapOvr>
+    <a:masterClrMapping/>
+  </p:clrMapOvr>
+  <p:timing>
+    <p:tnLst>
+      <p:par>
+        <p:cTn id="1" dur="indefinite" restart="never" nodeType="tmRoot"/>
+      </p:par>
+    </p:tnLst>
+  </p:timing>
+</p:sld>
+</file>
+
+<file path=ppt/slides/slide10.xml><?xml version="1.0" encoding="utf-8"?>
+<p:sld xmlns:a="http://schemas.openxmlformats.org/drawingml/2006/main" xmlns:r="http://schemas.openxmlformats.org/officeDocument/2006/relationships" xmlns:p="http://schemas.openxmlformats.org/presentationml/2006/main">
+  <p:cSld>
+    <p:spTree>
+      <p:nvGrpSpPr>
+        <p:cNvPr id="1" name=""/>
+        <p:cNvGrpSpPr/>
+        <p:nvPr/>
+      </p:nvGrpSpPr>
+      <p:grpSpPr>
+        <a:xfrm>
+          <a:off x="0" y="0"/>
+          <a:ext cx="0" cy="0"/>
+          <a:chOff x="0" y="0"/>
+          <a:chExt cx="0" cy="0"/>
+        </a:xfrm>
+      </p:grpSpPr>
+      <p:sp>
+        <p:nvSpPr>
+          <p:cNvPr id="2" name="Content Placeholder 1"/>
+          <p:cNvSpPr>
+            <a:spLocks noGrp="1"/>
+          </p:cNvSpPr>
+          <p:nvPr>
+            <p:ph idx="1"/>
+          </p:nvPr>
+        </p:nvSpPr>
+        <p:spPr>
+          <a:xfrm>
+            <a:off x="3200400" y="1295400"/>
+            <a:ext cx="6096000" cy="3657599"/>
+          </a:xfrm>
+        </p:spPr>
+        <p:txBody>
+          <a:bodyPr/>
+          <a:lstStyle/>
+          <a:p>
+            <a:pPr marL="18288" indent="0">
+              <a:buNone/>
+            </a:pPr>
+            <a:r>
+              <a:rPr lang="en-US" dirty="0" smtClean="0"/>
+              <a:t> </a:t>
+            </a:r>
+            <a:r>
+              <a:rPr lang="en-US" sz="3600" dirty="0" err="1" smtClean="0"/>
+              <a:t>Intrebari</a:t>
+            </a:r>
+            <a:r>
+              <a:rPr lang="en-US" sz="3600" dirty="0" smtClean="0"/>
+              <a:t> </a:t>
+            </a:r>
+            <a:r>
+              <a:rPr lang="en-US" sz="3600" dirty="0">
+                <a:effectLst/>
+              </a:rPr>
+              <a:t>¿</a:t>
+            </a:r>
+            <a:endParaRPr lang="en-US" dirty="0"/>
+          </a:p>
+        </p:txBody>
+      </p:sp>
+      <p:pic>
+        <p:nvPicPr>
+          <p:cNvPr id="4" name="Picture 2" descr="C:\Users\Mickey\Desktop\logoNetRom.png"/>
+          <p:cNvPicPr>
+            <a:picLocks noChangeAspect="1" noChangeArrowheads="1"/>
+          </p:cNvPicPr>
+          <p:nvPr/>
+        </p:nvPicPr>
+        <p:blipFill>
+          <a:blip r:embed="rId2">
+            <a:extLst>
+              <a:ext uri="{28A0092B-C50C-407E-A947-70E740481C1C}">
+                <a14:useLocalDpi xmlns:a14="http://schemas.microsoft.com/office/drawing/2010/main" val="0"/>
+              </a:ext>
+            </a:extLst>
+          </a:blip>
+          <a:srcRect/>
+          <a:stretch>
+            <a:fillRect/>
+          </a:stretch>
+        </p:blipFill>
+        <p:spPr bwMode="auto">
+          <a:xfrm>
+            <a:off x="609600" y="5273349"/>
+            <a:ext cx="1143000" cy="1323975"/>
+          </a:xfrm>
+          <a:prstGeom prst="rect">
+            <a:avLst/>
+          </a:prstGeom>
+          <a:noFill/>
+          <a:extLst>
+            <a:ext uri="{909E8E84-426E-40DD-AFC4-6F175D3DCCD1}">
+              <a14:hiddenFill xmlns:a14="http://schemas.microsoft.com/office/drawing/2010/main">
+                <a:solidFill>
+                  <a:srgbClr val="FFFFFF"/>
+                </a:solidFill>
+              </a14:hiddenFill>
+            </a:ext>
+          </a:extLst>
+        </p:spPr>
+      </p:pic>
+      <p:pic>
+        <p:nvPicPr>
+          <p:cNvPr id="5" name="Picture 3" descr="C:\Users\Mickey\Desktop\logo_ace.png"/>
+          <p:cNvPicPr>
+            <a:picLocks noChangeAspect="1" noChangeArrowheads="1"/>
+          </p:cNvPicPr>
+          <p:nvPr/>
+        </p:nvPicPr>
+        <p:blipFill>
+          <a:blip r:embed="rId3">
+            <a:extLst>
+              <a:ext uri="{28A0092B-C50C-407E-A947-70E740481C1C}">
+                <a14:useLocalDpi xmlns:a14="http://schemas.microsoft.com/office/drawing/2010/main" val="0"/>
+              </a:ext>
+            </a:extLst>
+          </a:blip>
+          <a:srcRect/>
+          <a:stretch>
+            <a:fillRect/>
+          </a:stretch>
+        </p:blipFill>
+        <p:spPr bwMode="auto">
+          <a:xfrm>
+            <a:off x="2209800" y="5500688"/>
+            <a:ext cx="3895725" cy="866775"/>
+          </a:xfrm>
+          <a:prstGeom prst="rect">
+            <a:avLst/>
+          </a:prstGeom>
+          <a:noFill/>
+          <a:extLst>
+            <a:ext uri="{909E8E84-426E-40DD-AFC4-6F175D3DCCD1}">
+              <a14:hiddenFill xmlns:a14="http://schemas.microsoft.com/office/drawing/2010/main">
+                <a:solidFill>
+                  <a:srgbClr val="FFFFFF"/>
+                </a:solidFill>
+              </a14:hiddenFill>
+            </a:ext>
+          </a:extLst>
+        </p:spPr>
+      </p:pic>
+      <p:pic>
+        <p:nvPicPr>
+          <p:cNvPr id="6" name="Picture 4" descr="C:\Users\Mickey\Desktop\small-logo-caphyon.png"/>
+          <p:cNvPicPr>
+            <a:picLocks noChangeAspect="1" noChangeArrowheads="1"/>
+          </p:cNvPicPr>
+          <p:nvPr/>
+        </p:nvPicPr>
+        <p:blipFill>
+          <a:blip r:embed="rId4">
+            <a:extLst>
+              <a:ext uri="{28A0092B-C50C-407E-A947-70E740481C1C}">
+                <a14:useLocalDpi xmlns:a14="http://schemas.microsoft.com/office/drawing/2010/main" val="0"/>
+              </a:ext>
+            </a:extLst>
+          </a:blip>
+          <a:srcRect/>
+          <a:stretch>
+            <a:fillRect/>
+          </a:stretch>
+        </p:blipFill>
+        <p:spPr bwMode="auto">
+          <a:xfrm>
+            <a:off x="6429375" y="5600700"/>
+            <a:ext cx="2524125" cy="666750"/>
+          </a:xfrm>
+          <a:prstGeom prst="rect">
+            <a:avLst/>
+          </a:prstGeom>
+          <a:noFill/>
+          <a:extLst>
+            <a:ext uri="{909E8E84-426E-40DD-AFC4-6F175D3DCCD1}">
+              <a14:hiddenFill xmlns:a14="http://schemas.microsoft.com/office/drawing/2010/main">
+                <a:solidFill>
+                  <a:srgbClr val="FFFFFF"/>
+                </a:solidFill>
+              </a14:hiddenFill>
+            </a:ext>
+          </a:extLst>
+        </p:spPr>
+      </p:pic>
+    </p:spTree>
+    <p:extLst>
+      <p:ext uri="{BB962C8B-B14F-4D97-AF65-F5344CB8AC3E}">
+        <p14:creationId xmlns:p14="http://schemas.microsoft.com/office/powerpoint/2010/main" val="988375078"/>
       </p:ext>
     </p:extLst>
   </p:cSld>
@@ -6732,6 +7146,915 @@
     <p:extLst>
       <p:ext uri="{BB962C8B-B14F-4D97-AF65-F5344CB8AC3E}">
         <p14:creationId xmlns:p14="http://schemas.microsoft.com/office/powerpoint/2010/main" val="3204946956"/>
+      </p:ext>
+    </p:extLst>
+  </p:cSld>
+  <p:clrMapOvr>
+    <a:masterClrMapping/>
+  </p:clrMapOvr>
+  <p:timing>
+    <p:tnLst>
+      <p:par>
+        <p:cTn id="1" dur="indefinite" restart="never" nodeType="tmRoot"/>
+      </p:par>
+    </p:tnLst>
+  </p:timing>
+</p:sld>
+</file>
+
+<file path=ppt/slides/slide7.xml><?xml version="1.0" encoding="utf-8"?>
+<p:sld xmlns:a="http://schemas.openxmlformats.org/drawingml/2006/main" xmlns:r="http://schemas.openxmlformats.org/officeDocument/2006/relationships" xmlns:p="http://schemas.openxmlformats.org/presentationml/2006/main">
+  <p:cSld>
+    <p:spTree>
+      <p:nvGrpSpPr>
+        <p:cNvPr id="1" name=""/>
+        <p:cNvGrpSpPr/>
+        <p:nvPr/>
+      </p:nvGrpSpPr>
+      <p:grpSpPr>
+        <a:xfrm>
+          <a:off x="0" y="0"/>
+          <a:ext cx="0" cy="0"/>
+          <a:chOff x="0" y="0"/>
+          <a:chExt cx="0" cy="0"/>
+        </a:xfrm>
+      </p:grpSpPr>
+      <p:sp>
+        <p:nvSpPr>
+          <p:cNvPr id="2" name="Content Placeholder 1"/>
+          <p:cNvSpPr>
+            <a:spLocks noGrp="1"/>
+          </p:cNvSpPr>
+          <p:nvPr>
+            <p:ph idx="1"/>
+          </p:nvPr>
+        </p:nvSpPr>
+        <p:spPr>
+          <a:xfrm>
+            <a:off x="762000" y="1371600"/>
+            <a:ext cx="8305800" cy="5334000"/>
+          </a:xfrm>
+        </p:spPr>
+        <p:txBody>
+          <a:bodyPr anchor="t"/>
+          <a:lstStyle/>
+          <a:p>
+            <a:r>
+              <a:rPr lang="en-US" dirty="0" err="1" smtClean="0"/>
+              <a:t>Secventa</a:t>
+            </a:r>
+            <a:r>
+              <a:rPr lang="en-US" dirty="0" smtClean="0"/>
+              <a:t> de </a:t>
+            </a:r>
+            <a:r>
+              <a:rPr lang="en-US" dirty="0" err="1" smtClean="0"/>
+              <a:t>citire</a:t>
+            </a:r>
+            <a:r>
+              <a:rPr lang="en-US" dirty="0" smtClean="0"/>
+              <a:t> </a:t>
+            </a:r>
+            <a:r>
+              <a:rPr lang="en-US" dirty="0" err="1" smtClean="0"/>
+              <a:t>si</a:t>
+            </a:r>
+            <a:r>
+              <a:rPr lang="en-US" dirty="0" smtClean="0"/>
+              <a:t> </a:t>
+            </a:r>
+            <a:r>
+              <a:rPr lang="en-US" dirty="0" err="1" smtClean="0"/>
+              <a:t>creeare</a:t>
+            </a:r>
+            <a:r>
+              <a:rPr lang="en-US" dirty="0" smtClean="0"/>
+              <a:t> a </a:t>
+            </a:r>
+            <a:r>
+              <a:rPr lang="en-US" dirty="0" err="1" smtClean="0"/>
+              <a:t>vectorilor</a:t>
+            </a:r>
+            <a:r>
+              <a:rPr lang="en-US" dirty="0" smtClean="0"/>
+              <a:t> in care </a:t>
+            </a:r>
+            <a:r>
+              <a:rPr lang="en-US" dirty="0" err="1" smtClean="0"/>
+              <a:t>stocam</a:t>
+            </a:r>
+            <a:r>
+              <a:rPr lang="en-US" dirty="0" smtClean="0"/>
+              <a:t> </a:t>
+            </a:r>
+            <a:r>
+              <a:rPr lang="en-US" dirty="0" err="1" smtClean="0"/>
+              <a:t>vecinii</a:t>
+            </a:r>
+            <a:r>
+              <a:rPr lang="en-US" dirty="0" smtClean="0"/>
+              <a:t>:</a:t>
+            </a:r>
+          </a:p>
+          <a:p>
+            <a:endParaRPr lang="en-US" dirty="0" smtClean="0"/>
+          </a:p>
+          <a:p>
+            <a:endParaRPr lang="en-US" dirty="0"/>
+          </a:p>
+          <a:p>
+            <a:endParaRPr lang="en-US" dirty="0" smtClean="0"/>
+          </a:p>
+          <a:p>
+            <a:endParaRPr lang="en-US" dirty="0"/>
+          </a:p>
+          <a:p>
+            <a:endParaRPr lang="en-US" dirty="0" smtClean="0"/>
+          </a:p>
+          <a:p>
+            <a:endParaRPr lang="en-US" dirty="0"/>
+          </a:p>
+          <a:p>
+            <a:endParaRPr lang="en-US" dirty="0" smtClean="0"/>
+          </a:p>
+          <a:p>
+            <a:r>
+              <a:rPr lang="en-US" dirty="0" err="1" smtClean="0"/>
+              <a:t>Adaugarea</a:t>
+            </a:r>
+            <a:r>
+              <a:rPr lang="en-US" dirty="0" smtClean="0"/>
+              <a:t> in </a:t>
+            </a:r>
+            <a:r>
+              <a:rPr lang="en-US" dirty="0" err="1" smtClean="0"/>
+              <a:t>coada</a:t>
+            </a:r>
+            <a:r>
+              <a:rPr lang="en-US" dirty="0" smtClean="0"/>
+              <a:t> a </a:t>
+            </a:r>
+            <a:r>
+              <a:rPr lang="en-US" dirty="0" err="1" smtClean="0"/>
+              <a:t>primilor</a:t>
+            </a:r>
+            <a:r>
+              <a:rPr lang="en-US" dirty="0" smtClean="0"/>
+              <a:t> </a:t>
+            </a:r>
+            <a:r>
+              <a:rPr lang="en-US" dirty="0" err="1" smtClean="0"/>
+              <a:t>vecini</a:t>
+            </a:r>
+            <a:r>
+              <a:rPr lang="en-US" dirty="0" smtClean="0"/>
+              <a:t> </a:t>
+            </a:r>
+            <a:r>
+              <a:rPr lang="en-US" dirty="0" err="1" smtClean="0"/>
+              <a:t>ai</a:t>
+            </a:r>
+            <a:r>
+              <a:rPr lang="en-US" dirty="0" smtClean="0"/>
+              <a:t> </a:t>
+            </a:r>
+            <a:r>
+              <a:rPr lang="en-US" dirty="0" err="1" smtClean="0"/>
+              <a:t>nodului</a:t>
+            </a:r>
+            <a:r>
+              <a:rPr lang="en-US" dirty="0" smtClean="0"/>
+              <a:t> </a:t>
+            </a:r>
+            <a:r>
+              <a:rPr lang="en-US" dirty="0" err="1" smtClean="0"/>
+              <a:t>caruia</a:t>
+            </a:r>
+            <a:r>
+              <a:rPr lang="en-US" dirty="0" smtClean="0"/>
+              <a:t> </a:t>
+            </a:r>
+            <a:r>
+              <a:rPr lang="en-US" dirty="0" err="1" smtClean="0"/>
+              <a:t>vrem</a:t>
+            </a:r>
+            <a:r>
+              <a:rPr lang="en-US" dirty="0" smtClean="0"/>
+              <a:t> </a:t>
+            </a:r>
+            <a:r>
+              <a:rPr lang="en-US" dirty="0" err="1" smtClean="0"/>
+              <a:t>sa</a:t>
+            </a:r>
+            <a:r>
+              <a:rPr lang="en-US" dirty="0" smtClean="0"/>
+              <a:t> ii </a:t>
+            </a:r>
+            <a:r>
+              <a:rPr lang="en-US" dirty="0" err="1" smtClean="0"/>
+              <a:t>calculam</a:t>
+            </a:r>
+            <a:r>
+              <a:rPr lang="en-US" dirty="0" smtClean="0"/>
+              <a:t> </a:t>
+            </a:r>
+            <a:r>
+              <a:rPr lang="en-US" dirty="0" err="1" smtClean="0"/>
+              <a:t>prietenii</a:t>
+            </a:r>
+            <a:r>
+              <a:rPr lang="en-US" dirty="0" smtClean="0"/>
+              <a:t> </a:t>
+            </a:r>
+            <a:r>
+              <a:rPr lang="en-US" dirty="0" err="1" smtClean="0"/>
+              <a:t>comuni</a:t>
+            </a:r>
+            <a:r>
+              <a:rPr lang="en-US" dirty="0" smtClean="0"/>
+              <a:t>.</a:t>
+            </a:r>
+            <a:endParaRPr lang="en-US" dirty="0"/>
+          </a:p>
+        </p:txBody>
+      </p:sp>
+      <p:sp>
+        <p:nvSpPr>
+          <p:cNvPr id="3" name="Title 2"/>
+          <p:cNvSpPr>
+            <a:spLocks noGrp="1"/>
+          </p:cNvSpPr>
+          <p:nvPr>
+            <p:ph type="title"/>
+          </p:nvPr>
+        </p:nvSpPr>
+        <p:spPr>
+          <a:xfrm>
+            <a:off x="609600" y="533400"/>
+            <a:ext cx="7543800" cy="914400"/>
+          </a:xfrm>
+        </p:spPr>
+        <p:txBody>
+          <a:bodyPr/>
+          <a:lstStyle/>
+          <a:p>
+            <a:r>
+              <a:rPr lang="en-US" dirty="0" smtClean="0"/>
+              <a:t>Code Snippets</a:t>
+            </a:r>
+            <a:endParaRPr lang="en-US" dirty="0"/>
+          </a:p>
+        </p:txBody>
+      </p:sp>
+      <p:pic>
+        <p:nvPicPr>
+          <p:cNvPr id="1027" name="Picture 3"/>
+          <p:cNvPicPr>
+            <a:picLocks noChangeAspect="1" noChangeArrowheads="1"/>
+          </p:cNvPicPr>
+          <p:nvPr/>
+        </p:nvPicPr>
+        <p:blipFill>
+          <a:blip r:embed="rId2">
+            <a:extLst>
+              <a:ext uri="{28A0092B-C50C-407E-A947-70E740481C1C}">
+                <a14:useLocalDpi xmlns:a14="http://schemas.microsoft.com/office/drawing/2010/main" val="0"/>
+              </a:ext>
+            </a:extLst>
+          </a:blip>
+          <a:srcRect/>
+          <a:stretch>
+            <a:fillRect/>
+          </a:stretch>
+        </p:blipFill>
+        <p:spPr bwMode="auto">
+          <a:xfrm>
+            <a:off x="838200" y="1828800"/>
+            <a:ext cx="6667500" cy="2514600"/>
+          </a:xfrm>
+          <a:prstGeom prst="rect">
+            <a:avLst/>
+          </a:prstGeom>
+          <a:noFill/>
+          <a:ln>
+            <a:noFill/>
+          </a:ln>
+          <a:effectLst/>
+          <a:extLst>
+            <a:ext uri="{909E8E84-426E-40DD-AFC4-6F175D3DCCD1}">
+              <a14:hiddenFill xmlns:a14="http://schemas.microsoft.com/office/drawing/2010/main">
+                <a:solidFill>
+                  <a:schemeClr val="accent1"/>
+                </a:solidFill>
+              </a14:hiddenFill>
+            </a:ext>
+            <a:ext uri="{91240B29-F687-4F45-9708-019B960494DF}">
+              <a14:hiddenLine xmlns:a14="http://schemas.microsoft.com/office/drawing/2010/main" w="9525">
+                <a:solidFill>
+                  <a:schemeClr val="tx1"/>
+                </a:solidFill>
+                <a:miter lim="800000"/>
+                <a:headEnd/>
+                <a:tailEnd/>
+              </a14:hiddenLine>
+            </a:ext>
+            <a:ext uri="{AF507438-7753-43E0-B8FC-AC1667EBCBE1}">
+              <a14:hiddenEffects xmlns:a14="http://schemas.microsoft.com/office/drawing/2010/main">
+                <a:effectLst>
+                  <a:outerShdw dist="35921" dir="2700000" algn="ctr" rotWithShape="0">
+                    <a:schemeClr val="bg2"/>
+                  </a:outerShdw>
+                </a:effectLst>
+              </a14:hiddenEffects>
+            </a:ext>
+          </a:extLst>
+        </p:spPr>
+      </p:pic>
+      <p:pic>
+        <p:nvPicPr>
+          <p:cNvPr id="1028" name="Picture 4"/>
+          <p:cNvPicPr>
+            <a:picLocks noChangeAspect="1" noChangeArrowheads="1"/>
+          </p:cNvPicPr>
+          <p:nvPr/>
+        </p:nvPicPr>
+        <p:blipFill>
+          <a:blip r:embed="rId3">
+            <a:extLst>
+              <a:ext uri="{28A0092B-C50C-407E-A947-70E740481C1C}">
+                <a14:useLocalDpi xmlns:a14="http://schemas.microsoft.com/office/drawing/2010/main" val="0"/>
+              </a:ext>
+            </a:extLst>
+          </a:blip>
+          <a:srcRect/>
+          <a:stretch>
+            <a:fillRect/>
+          </a:stretch>
+        </p:blipFill>
+        <p:spPr bwMode="auto">
+          <a:xfrm>
+            <a:off x="838200" y="5257800"/>
+            <a:ext cx="6667500" cy="1200150"/>
+          </a:xfrm>
+          <a:prstGeom prst="rect">
+            <a:avLst/>
+          </a:prstGeom>
+          <a:noFill/>
+          <a:ln>
+            <a:noFill/>
+          </a:ln>
+          <a:effectLst/>
+          <a:extLst>
+            <a:ext uri="{909E8E84-426E-40DD-AFC4-6F175D3DCCD1}">
+              <a14:hiddenFill xmlns:a14="http://schemas.microsoft.com/office/drawing/2010/main">
+                <a:solidFill>
+                  <a:schemeClr val="accent1"/>
+                </a:solidFill>
+              </a14:hiddenFill>
+            </a:ext>
+            <a:ext uri="{91240B29-F687-4F45-9708-019B960494DF}">
+              <a14:hiddenLine xmlns:a14="http://schemas.microsoft.com/office/drawing/2010/main" w="9525">
+                <a:solidFill>
+                  <a:schemeClr val="tx1"/>
+                </a:solidFill>
+                <a:miter lim="800000"/>
+                <a:headEnd/>
+                <a:tailEnd/>
+              </a14:hiddenLine>
+            </a:ext>
+            <a:ext uri="{AF507438-7753-43E0-B8FC-AC1667EBCBE1}">
+              <a14:hiddenEffects xmlns:a14="http://schemas.microsoft.com/office/drawing/2010/main">
+                <a:effectLst>
+                  <a:outerShdw dist="35921" dir="2700000" algn="ctr" rotWithShape="0">
+                    <a:schemeClr val="bg2"/>
+                  </a:outerShdw>
+                </a:effectLst>
+              </a14:hiddenEffects>
+            </a:ext>
+          </a:extLst>
+        </p:spPr>
+      </p:pic>
+    </p:spTree>
+    <p:extLst>
+      <p:ext uri="{BB962C8B-B14F-4D97-AF65-F5344CB8AC3E}">
+        <p14:creationId xmlns:p14="http://schemas.microsoft.com/office/powerpoint/2010/main" val="130859441"/>
+      </p:ext>
+    </p:extLst>
+  </p:cSld>
+  <p:clrMapOvr>
+    <a:masterClrMapping/>
+  </p:clrMapOvr>
+  <p:timing>
+    <p:tnLst>
+      <p:par>
+        <p:cTn id="1" dur="indefinite" restart="never" nodeType="tmRoot"/>
+      </p:par>
+    </p:tnLst>
+  </p:timing>
+</p:sld>
+</file>
+
+<file path=ppt/slides/slide8.xml><?xml version="1.0" encoding="utf-8"?>
+<p:sld xmlns:a="http://schemas.openxmlformats.org/drawingml/2006/main" xmlns:r="http://schemas.openxmlformats.org/officeDocument/2006/relationships" xmlns:p="http://schemas.openxmlformats.org/presentationml/2006/main">
+  <p:cSld>
+    <p:spTree>
+      <p:nvGrpSpPr>
+        <p:cNvPr id="1" name=""/>
+        <p:cNvGrpSpPr/>
+        <p:nvPr/>
+      </p:nvGrpSpPr>
+      <p:grpSpPr>
+        <a:xfrm>
+          <a:off x="0" y="0"/>
+          <a:ext cx="0" cy="0"/>
+          <a:chOff x="0" y="0"/>
+          <a:chExt cx="0" cy="0"/>
+        </a:xfrm>
+      </p:grpSpPr>
+      <p:sp>
+        <p:nvSpPr>
+          <p:cNvPr id="2" name="Content Placeholder 1"/>
+          <p:cNvSpPr>
+            <a:spLocks noGrp="1"/>
+          </p:cNvSpPr>
+          <p:nvPr>
+            <p:ph idx="1"/>
+          </p:nvPr>
+        </p:nvSpPr>
+        <p:spPr>
+          <a:xfrm>
+            <a:off x="762000" y="1371600"/>
+            <a:ext cx="8305800" cy="5334000"/>
+          </a:xfrm>
+        </p:spPr>
+        <p:txBody>
+          <a:bodyPr anchor="t"/>
+          <a:lstStyle/>
+          <a:p>
+            <a:r>
+              <a:rPr lang="en-US" dirty="0" err="1" smtClean="0"/>
+              <a:t>Procedeul</a:t>
+            </a:r>
+            <a:r>
+              <a:rPr lang="en-US" dirty="0" smtClean="0"/>
+              <a:t> de </a:t>
+            </a:r>
+            <a:r>
+              <a:rPr lang="en-US" dirty="0" err="1" smtClean="0"/>
+              <a:t>calculare</a:t>
+            </a:r>
+            <a:r>
+              <a:rPr lang="en-US" dirty="0" smtClean="0"/>
+              <a:t> al </a:t>
+            </a:r>
+            <a:r>
+              <a:rPr lang="en-US" dirty="0" err="1" smtClean="0"/>
+              <a:t>numarului</a:t>
+            </a:r>
+            <a:r>
+              <a:rPr lang="en-US" dirty="0" smtClean="0"/>
+              <a:t> de </a:t>
+            </a:r>
+            <a:r>
+              <a:rPr lang="en-US" dirty="0" err="1" smtClean="0"/>
+              <a:t>prieteni</a:t>
+            </a:r>
+            <a:r>
+              <a:rPr lang="en-US" dirty="0" smtClean="0"/>
+              <a:t> </a:t>
+            </a:r>
+            <a:r>
+              <a:rPr lang="en-US" dirty="0" err="1" smtClean="0"/>
+              <a:t>comuni</a:t>
+            </a:r>
+            <a:endParaRPr lang="en-US" dirty="0" smtClean="0"/>
+          </a:p>
+          <a:p>
+            <a:endParaRPr lang="en-US" dirty="0" smtClean="0"/>
+          </a:p>
+          <a:p>
+            <a:endParaRPr lang="en-US" dirty="0"/>
+          </a:p>
+          <a:p>
+            <a:endParaRPr lang="en-US" dirty="0" smtClean="0"/>
+          </a:p>
+          <a:p>
+            <a:endParaRPr lang="en-US" dirty="0"/>
+          </a:p>
+          <a:p>
+            <a:endParaRPr lang="en-US" dirty="0" smtClean="0"/>
+          </a:p>
+          <a:p>
+            <a:endParaRPr lang="en-US" dirty="0"/>
+          </a:p>
+          <a:p>
+            <a:endParaRPr lang="en-US" dirty="0" smtClean="0"/>
+          </a:p>
+          <a:p>
+            <a:endParaRPr lang="en-US" dirty="0" smtClean="0"/>
+          </a:p>
+          <a:p>
+            <a:r>
+              <a:rPr lang="en-US" dirty="0" err="1" smtClean="0"/>
+              <a:t>Inserare</a:t>
+            </a:r>
+            <a:r>
+              <a:rPr lang="en-US" dirty="0" smtClean="0"/>
+              <a:t> in set a pair-</a:t>
+            </a:r>
+            <a:r>
+              <a:rPr lang="en-US" dirty="0" err="1" smtClean="0"/>
+              <a:t>urilor</a:t>
+            </a:r>
+            <a:r>
+              <a:rPr lang="en-US" dirty="0" smtClean="0"/>
+              <a:t> care </a:t>
+            </a:r>
+            <a:r>
+              <a:rPr lang="en-US" dirty="0" err="1" smtClean="0"/>
+              <a:t>contin</a:t>
+            </a:r>
+            <a:r>
+              <a:rPr lang="en-US" dirty="0" smtClean="0"/>
+              <a:t> &lt;nr de </a:t>
+            </a:r>
+            <a:r>
+              <a:rPr lang="en-US" dirty="0" err="1" smtClean="0"/>
+              <a:t>prieteni</a:t>
+            </a:r>
+            <a:r>
+              <a:rPr lang="en-US" dirty="0" smtClean="0"/>
+              <a:t> </a:t>
+            </a:r>
+            <a:r>
+              <a:rPr lang="en-US" dirty="0" err="1" smtClean="0"/>
+              <a:t>comuni</a:t>
+            </a:r>
+            <a:r>
+              <a:rPr lang="en-US" dirty="0" smtClean="0"/>
+              <a:t>, nod&gt;</a:t>
+            </a:r>
+          </a:p>
+        </p:txBody>
+      </p:sp>
+      <p:sp>
+        <p:nvSpPr>
+          <p:cNvPr id="3" name="Title 2"/>
+          <p:cNvSpPr>
+            <a:spLocks noGrp="1"/>
+          </p:cNvSpPr>
+          <p:nvPr>
+            <p:ph type="title"/>
+          </p:nvPr>
+        </p:nvSpPr>
+        <p:spPr>
+          <a:xfrm>
+            <a:off x="609600" y="533400"/>
+            <a:ext cx="7543800" cy="914400"/>
+          </a:xfrm>
+        </p:spPr>
+        <p:txBody>
+          <a:bodyPr/>
+          <a:lstStyle/>
+          <a:p>
+            <a:r>
+              <a:rPr lang="en-US" dirty="0" smtClean="0"/>
+              <a:t>Code Snippets</a:t>
+            </a:r>
+            <a:endParaRPr lang="en-US" dirty="0"/>
+          </a:p>
+        </p:txBody>
+      </p:sp>
+      <p:pic>
+        <p:nvPicPr>
+          <p:cNvPr id="2051" name="Picture 3"/>
+          <p:cNvPicPr>
+            <a:picLocks noChangeAspect="1" noChangeArrowheads="1"/>
+          </p:cNvPicPr>
+          <p:nvPr/>
+        </p:nvPicPr>
+        <p:blipFill>
+          <a:blip r:embed="rId2">
+            <a:extLst>
+              <a:ext uri="{28A0092B-C50C-407E-A947-70E740481C1C}">
+                <a14:useLocalDpi xmlns:a14="http://schemas.microsoft.com/office/drawing/2010/main" val="0"/>
+              </a:ext>
+            </a:extLst>
+          </a:blip>
+          <a:srcRect/>
+          <a:stretch>
+            <a:fillRect/>
+          </a:stretch>
+        </p:blipFill>
+        <p:spPr bwMode="auto">
+          <a:xfrm>
+            <a:off x="838200" y="1752600"/>
+            <a:ext cx="6667500" cy="2847975"/>
+          </a:xfrm>
+          <a:prstGeom prst="rect">
+            <a:avLst/>
+          </a:prstGeom>
+          <a:noFill/>
+          <a:ln>
+            <a:noFill/>
+          </a:ln>
+          <a:effectLst/>
+          <a:extLst>
+            <a:ext uri="{909E8E84-426E-40DD-AFC4-6F175D3DCCD1}">
+              <a14:hiddenFill xmlns:a14="http://schemas.microsoft.com/office/drawing/2010/main">
+                <a:solidFill>
+                  <a:schemeClr val="accent1"/>
+                </a:solidFill>
+              </a14:hiddenFill>
+            </a:ext>
+            <a:ext uri="{91240B29-F687-4F45-9708-019B960494DF}">
+              <a14:hiddenLine xmlns:a14="http://schemas.microsoft.com/office/drawing/2010/main" w="9525">
+                <a:solidFill>
+                  <a:schemeClr val="tx1"/>
+                </a:solidFill>
+                <a:miter lim="800000"/>
+                <a:headEnd/>
+                <a:tailEnd/>
+              </a14:hiddenLine>
+            </a:ext>
+            <a:ext uri="{AF507438-7753-43E0-B8FC-AC1667EBCBE1}">
+              <a14:hiddenEffects xmlns:a14="http://schemas.microsoft.com/office/drawing/2010/main">
+                <a:effectLst>
+                  <a:outerShdw dist="35921" dir="2700000" algn="ctr" rotWithShape="0">
+                    <a:schemeClr val="bg2"/>
+                  </a:outerShdw>
+                </a:effectLst>
+              </a14:hiddenEffects>
+            </a:ext>
+          </a:extLst>
+        </p:spPr>
+      </p:pic>
+      <p:pic>
+        <p:nvPicPr>
+          <p:cNvPr id="2053" name="Picture 5"/>
+          <p:cNvPicPr>
+            <a:picLocks noChangeAspect="1" noChangeArrowheads="1"/>
+          </p:cNvPicPr>
+          <p:nvPr/>
+        </p:nvPicPr>
+        <p:blipFill>
+          <a:blip r:embed="rId3">
+            <a:extLst>
+              <a:ext uri="{28A0092B-C50C-407E-A947-70E740481C1C}">
+                <a14:useLocalDpi xmlns:a14="http://schemas.microsoft.com/office/drawing/2010/main" val="0"/>
+              </a:ext>
+            </a:extLst>
+          </a:blip>
+          <a:srcRect/>
+          <a:stretch>
+            <a:fillRect/>
+          </a:stretch>
+        </p:blipFill>
+        <p:spPr bwMode="auto">
+          <a:xfrm>
+            <a:off x="838200" y="5715000"/>
+            <a:ext cx="6667500" cy="914400"/>
+          </a:xfrm>
+          <a:prstGeom prst="rect">
+            <a:avLst/>
+          </a:prstGeom>
+          <a:noFill/>
+          <a:ln>
+            <a:noFill/>
+          </a:ln>
+          <a:effectLst/>
+          <a:extLst>
+            <a:ext uri="{909E8E84-426E-40DD-AFC4-6F175D3DCCD1}">
+              <a14:hiddenFill xmlns:a14="http://schemas.microsoft.com/office/drawing/2010/main">
+                <a:solidFill>
+                  <a:schemeClr val="accent1"/>
+                </a:solidFill>
+              </a14:hiddenFill>
+            </a:ext>
+            <a:ext uri="{91240B29-F687-4F45-9708-019B960494DF}">
+              <a14:hiddenLine xmlns:a14="http://schemas.microsoft.com/office/drawing/2010/main" w="9525">
+                <a:solidFill>
+                  <a:schemeClr val="tx1"/>
+                </a:solidFill>
+                <a:miter lim="800000"/>
+                <a:headEnd/>
+                <a:tailEnd/>
+              </a14:hiddenLine>
+            </a:ext>
+            <a:ext uri="{AF507438-7753-43E0-B8FC-AC1667EBCBE1}">
+              <a14:hiddenEffects xmlns:a14="http://schemas.microsoft.com/office/drawing/2010/main">
+                <a:effectLst>
+                  <a:outerShdw dist="35921" dir="2700000" algn="ctr" rotWithShape="0">
+                    <a:schemeClr val="bg2"/>
+                  </a:outerShdw>
+                </a:effectLst>
+              </a14:hiddenEffects>
+            </a:ext>
+          </a:extLst>
+        </p:spPr>
+      </p:pic>
+    </p:spTree>
+    <p:extLst>
+      <p:ext uri="{BB962C8B-B14F-4D97-AF65-F5344CB8AC3E}">
+        <p14:creationId xmlns:p14="http://schemas.microsoft.com/office/powerpoint/2010/main" val="4080382302"/>
+      </p:ext>
+    </p:extLst>
+  </p:cSld>
+  <p:clrMapOvr>
+    <a:masterClrMapping/>
+  </p:clrMapOvr>
+  <p:timing>
+    <p:tnLst>
+      <p:par>
+        <p:cTn id="1" dur="indefinite" restart="never" nodeType="tmRoot"/>
+      </p:par>
+    </p:tnLst>
+  </p:timing>
+</p:sld>
+</file>
+
+<file path=ppt/slides/slide9.xml><?xml version="1.0" encoding="utf-8"?>
+<p:sld xmlns:a="http://schemas.openxmlformats.org/drawingml/2006/main" xmlns:r="http://schemas.openxmlformats.org/officeDocument/2006/relationships" xmlns:p="http://schemas.openxmlformats.org/presentationml/2006/main">
+  <p:cSld>
+    <p:spTree>
+      <p:nvGrpSpPr>
+        <p:cNvPr id="1" name=""/>
+        <p:cNvGrpSpPr/>
+        <p:nvPr/>
+      </p:nvGrpSpPr>
+      <p:grpSpPr>
+        <a:xfrm>
+          <a:off x="0" y="0"/>
+          <a:ext cx="0" cy="0"/>
+          <a:chOff x="0" y="0"/>
+          <a:chExt cx="0" cy="0"/>
+        </a:xfrm>
+      </p:grpSpPr>
+      <p:sp>
+        <p:nvSpPr>
+          <p:cNvPr id="2" name="Content Placeholder 1"/>
+          <p:cNvSpPr>
+            <a:spLocks noGrp="1"/>
+          </p:cNvSpPr>
+          <p:nvPr>
+            <p:ph idx="1"/>
+          </p:nvPr>
+        </p:nvSpPr>
+        <p:spPr>
+          <a:xfrm>
+            <a:off x="762000" y="1371600"/>
+            <a:ext cx="8305800" cy="5334000"/>
+          </a:xfrm>
+        </p:spPr>
+        <p:txBody>
+          <a:bodyPr anchor="t"/>
+          <a:lstStyle/>
+          <a:p>
+            <a:endParaRPr lang="en-US" dirty="0" smtClean="0"/>
+          </a:p>
+          <a:p>
+            <a:r>
+              <a:rPr lang="en-US" dirty="0" err="1" smtClean="0"/>
+              <a:t>Afisarea</a:t>
+            </a:r>
+            <a:r>
+              <a:rPr lang="en-US" dirty="0" smtClean="0"/>
+              <a:t> </a:t>
+            </a:r>
+            <a:r>
+              <a:rPr lang="en-US" dirty="0" err="1" smtClean="0"/>
+              <a:t>prietenilor</a:t>
+            </a:r>
+            <a:r>
+              <a:rPr lang="en-US" dirty="0" smtClean="0"/>
+              <a:t> </a:t>
+            </a:r>
+            <a:r>
+              <a:rPr lang="en-US" dirty="0" err="1" smtClean="0"/>
+              <a:t>comuni</a:t>
+            </a:r>
+            <a:endParaRPr lang="en-US" dirty="0" smtClean="0"/>
+          </a:p>
+          <a:p>
+            <a:endParaRPr lang="en-US" dirty="0" smtClean="0"/>
+          </a:p>
+          <a:p>
+            <a:endParaRPr lang="en-US" dirty="0"/>
+          </a:p>
+          <a:p>
+            <a:endParaRPr lang="en-US" dirty="0" smtClean="0"/>
+          </a:p>
+          <a:p>
+            <a:endParaRPr lang="en-US" dirty="0"/>
+          </a:p>
+          <a:p>
+            <a:endParaRPr lang="en-US" dirty="0" smtClean="0"/>
+          </a:p>
+          <a:p>
+            <a:endParaRPr lang="en-US" dirty="0"/>
+          </a:p>
+          <a:p>
+            <a:endParaRPr lang="en-US" dirty="0" smtClean="0"/>
+          </a:p>
+          <a:p>
+            <a:endParaRPr lang="en-US" dirty="0" smtClean="0"/>
+          </a:p>
+        </p:txBody>
+      </p:sp>
+      <p:sp>
+        <p:nvSpPr>
+          <p:cNvPr id="3" name="Title 2"/>
+          <p:cNvSpPr>
+            <a:spLocks noGrp="1"/>
+          </p:cNvSpPr>
+          <p:nvPr>
+            <p:ph type="title"/>
+          </p:nvPr>
+        </p:nvSpPr>
+        <p:spPr>
+          <a:xfrm>
+            <a:off x="609600" y="533400"/>
+            <a:ext cx="7543800" cy="914400"/>
+          </a:xfrm>
+        </p:spPr>
+        <p:txBody>
+          <a:bodyPr/>
+          <a:lstStyle/>
+          <a:p>
+            <a:r>
+              <a:rPr lang="en-US" dirty="0" smtClean="0"/>
+              <a:t>Code Snippets</a:t>
+            </a:r>
+            <a:endParaRPr lang="en-US" dirty="0"/>
+          </a:p>
+        </p:txBody>
+      </p:sp>
+      <p:pic>
+        <p:nvPicPr>
+          <p:cNvPr id="3075" name="Picture 3"/>
+          <p:cNvPicPr>
+            <a:picLocks noChangeAspect="1" noChangeArrowheads="1"/>
+          </p:cNvPicPr>
+          <p:nvPr/>
+        </p:nvPicPr>
+        <p:blipFill rotWithShape="1">
+          <a:blip r:embed="rId2">
+            <a:extLst>
+              <a:ext uri="{28A0092B-C50C-407E-A947-70E740481C1C}">
+                <a14:useLocalDpi xmlns:a14="http://schemas.microsoft.com/office/drawing/2010/main" val="0"/>
+              </a:ext>
+            </a:extLst>
+          </a:blip>
+          <a:srcRect t="1248"/>
+          <a:stretch/>
+        </p:blipFill>
+        <p:spPr bwMode="auto">
+          <a:xfrm>
+            <a:off x="838200" y="2514600"/>
+            <a:ext cx="6667500" cy="2351522"/>
+          </a:xfrm>
+          <a:prstGeom prst="rect">
+            <a:avLst/>
+          </a:prstGeom>
+          <a:noFill/>
+          <a:ln>
+            <a:noFill/>
+          </a:ln>
+          <a:effectLst/>
+          <a:extLst>
+            <a:ext uri="{909E8E84-426E-40DD-AFC4-6F175D3DCCD1}">
+              <a14:hiddenFill xmlns:a14="http://schemas.microsoft.com/office/drawing/2010/main">
+                <a:solidFill>
+                  <a:schemeClr val="accent1"/>
+                </a:solidFill>
+              </a14:hiddenFill>
+            </a:ext>
+            <a:ext uri="{91240B29-F687-4F45-9708-019B960494DF}">
+              <a14:hiddenLine xmlns:a14="http://schemas.microsoft.com/office/drawing/2010/main" w="9525">
+                <a:solidFill>
+                  <a:schemeClr val="tx1"/>
+                </a:solidFill>
+                <a:miter lim="800000"/>
+                <a:headEnd/>
+                <a:tailEnd/>
+              </a14:hiddenLine>
+            </a:ext>
+            <a:ext uri="{AF507438-7753-43E0-B8FC-AC1667EBCBE1}">
+              <a14:hiddenEffects xmlns:a14="http://schemas.microsoft.com/office/drawing/2010/main">
+                <a:effectLst>
+                  <a:outerShdw dist="35921" dir="2700000" algn="ctr" rotWithShape="0">
+                    <a:schemeClr val="bg2"/>
+                  </a:outerShdw>
+                </a:effectLst>
+              </a14:hiddenEffects>
+            </a:ext>
+          </a:extLst>
+        </p:spPr>
+      </p:pic>
+    </p:spTree>
+    <p:extLst>
+      <p:ext uri="{BB962C8B-B14F-4D97-AF65-F5344CB8AC3E}">
+        <p14:creationId xmlns:p14="http://schemas.microsoft.com/office/powerpoint/2010/main" val="1091646354"/>
       </p:ext>
     </p:extLst>
   </p:cSld>
